--- a/Folien - Trainerleitfaden/Einheit 20 PHP.pptx
+++ b/Folien - Trainerleitfaden/Einheit 20 PHP.pptx
@@ -5,7 +5,7 @@
     <p:sldMasterId id="2147483660" r:id="rId1"/>
   </p:sldMasterIdLst>
   <p:handoutMasterIdLst>
-    <p:handoutMasterId r:id="rId16"/>
+    <p:handoutMasterId r:id="rId17"/>
   </p:handoutMasterIdLst>
   <p:sldIdLst>
     <p:sldId id="326" r:id="rId2"/>
@@ -19,9 +19,10 @@
     <p:sldId id="371" r:id="rId10"/>
     <p:sldId id="364" r:id="rId11"/>
     <p:sldId id="365" r:id="rId12"/>
-    <p:sldId id="366" r:id="rId13"/>
-    <p:sldId id="367" r:id="rId14"/>
-    <p:sldId id="304" r:id="rId15"/>
+    <p:sldId id="372" r:id="rId13"/>
+    <p:sldId id="366" r:id="rId14"/>
+    <p:sldId id="367" r:id="rId15"/>
+    <p:sldId id="304" r:id="rId16"/>
   </p:sldIdLst>
   <p:sldSz cx="12192000" cy="6858000"/>
   <p:notesSz cx="6858000" cy="9144000"/>
@@ -240,7 +241,7 @@
               <a:rPr lang="de-AT" smtClean="0">
                 <a:latin typeface="Arial" panose="020B0604020202020204" pitchFamily="34" charset="0"/>
               </a:rPr>
-              <a:t>17.05.2021</a:t>
+              <a:t>25.05.2021</a:t>
             </a:fld>
             <a:endParaRPr lang="de-AT" dirty="0">
               <a:latin typeface="Arial" panose="020B0604020202020204" pitchFamily="34" charset="0"/>
@@ -6324,6 +6325,1540 @@
           <p:cNvPr id="2" name="Titel 1">
             <a:extLst>
               <a:ext uri="{FF2B5EF4-FFF2-40B4-BE49-F238E27FC236}">
+                <a16:creationId xmlns:a16="http://schemas.microsoft.com/office/drawing/2014/main" id="{38696FDC-498B-41E8-B75B-3D4D100B6B8B}"/>
+              </a:ext>
+            </a:extLst>
+          </p:cNvPr>
+          <p:cNvSpPr>
+            <a:spLocks noGrp="1"/>
+          </p:cNvSpPr>
+          <p:nvPr>
+            <p:ph type="title"/>
+          </p:nvPr>
+        </p:nvSpPr>
+        <p:spPr/>
+        <p:txBody>
+          <a:bodyPr/>
+          <a:lstStyle/>
+          <a:p>
+            <a:r>
+              <a:rPr lang="de-AT" dirty="0"/>
+              <a:t>Datensatzabfrage ohne Parameter</a:t>
+            </a:r>
+          </a:p>
+        </p:txBody>
+      </p:sp>
+      <p:sp>
+        <p:nvSpPr>
+          <p:cNvPr id="3" name="Textplatzhalter 2">
+            <a:extLst>
+              <a:ext uri="{FF2B5EF4-FFF2-40B4-BE49-F238E27FC236}">
+                <a16:creationId xmlns:a16="http://schemas.microsoft.com/office/drawing/2014/main" id="{1DEA689D-0C24-46F0-8634-68F32199D337}"/>
+              </a:ext>
+            </a:extLst>
+          </p:cNvPr>
+          <p:cNvSpPr>
+            <a:spLocks noGrp="1"/>
+          </p:cNvSpPr>
+          <p:nvPr>
+            <p:ph type="body" sz="quarter" idx="13"/>
+          </p:nvPr>
+        </p:nvSpPr>
+        <p:spPr>
+          <a:xfrm>
+            <a:off x="949136" y="1455738"/>
+            <a:ext cx="10293728" cy="286232"/>
+          </a:xfrm>
+        </p:spPr>
+        <p:txBody>
+          <a:bodyPr/>
+          <a:lstStyle/>
+          <a:p>
+            <a:r>
+              <a:rPr lang="de-AT" dirty="0"/>
+              <a:t>Da es keine Parameter gibt, kann </a:t>
+            </a:r>
+            <a:r>
+              <a:rPr lang="de-AT" dirty="0">
+                <a:latin typeface="Source Code Pro" panose="020B0509030403020204" pitchFamily="49" charset="0"/>
+                <a:ea typeface="Source Code Pro" panose="020B0509030403020204" pitchFamily="49" charset="0"/>
+              </a:rPr>
+              <a:t>-&gt;</a:t>
+            </a:r>
+            <a:r>
+              <a:rPr lang="de-AT" dirty="0" err="1">
+                <a:latin typeface="Source Code Pro" panose="020B0509030403020204" pitchFamily="49" charset="0"/>
+                <a:ea typeface="Source Code Pro" panose="020B0509030403020204" pitchFamily="49" charset="0"/>
+              </a:rPr>
+              <a:t>query</a:t>
+            </a:r>
+            <a:r>
+              <a:rPr lang="de-AT" dirty="0">
+                <a:latin typeface="Source Code Pro" panose="020B0509030403020204" pitchFamily="49" charset="0"/>
+                <a:ea typeface="Source Code Pro" panose="020B0509030403020204" pitchFamily="49" charset="0"/>
+              </a:rPr>
+              <a:t>($</a:t>
+            </a:r>
+            <a:r>
+              <a:rPr lang="de-AT" dirty="0" err="1">
+                <a:latin typeface="Source Code Pro" panose="020B0509030403020204" pitchFamily="49" charset="0"/>
+                <a:ea typeface="Source Code Pro" panose="020B0509030403020204" pitchFamily="49" charset="0"/>
+              </a:rPr>
+              <a:t>sql</a:t>
+            </a:r>
+            <a:r>
+              <a:rPr lang="de-AT" dirty="0">
+                <a:latin typeface="Source Code Pro" panose="020B0509030403020204" pitchFamily="49" charset="0"/>
+                <a:ea typeface="Source Code Pro" panose="020B0509030403020204" pitchFamily="49" charset="0"/>
+              </a:rPr>
+              <a:t>)</a:t>
+            </a:r>
+            <a:r>
+              <a:rPr lang="de-AT" dirty="0"/>
+              <a:t> verwendet werden ansonsten immer </a:t>
+            </a:r>
+            <a:r>
+              <a:rPr lang="de-AT" dirty="0" err="1"/>
+              <a:t>Prepared</a:t>
+            </a:r>
+            <a:r>
+              <a:rPr lang="de-AT" dirty="0"/>
+              <a:t> Statements verwenden</a:t>
+            </a:r>
+          </a:p>
+        </p:txBody>
+      </p:sp>
+      <p:sp>
+        <p:nvSpPr>
+          <p:cNvPr id="4" name="Rectangle 1">
+            <a:extLst>
+              <a:ext uri="{FF2B5EF4-FFF2-40B4-BE49-F238E27FC236}">
+                <a16:creationId xmlns:a16="http://schemas.microsoft.com/office/drawing/2014/main" id="{8394738D-AC03-4A45-B4D8-FDF9E5EA39F1}"/>
+              </a:ext>
+            </a:extLst>
+          </p:cNvPr>
+          <p:cNvSpPr>
+            <a:spLocks noChangeArrowheads="1"/>
+          </p:cNvSpPr>
+          <p:nvPr/>
+        </p:nvSpPr>
+        <p:spPr bwMode="auto">
+          <a:xfrm>
+            <a:off x="3772287" y="3361417"/>
+            <a:ext cx="4647426" cy="1938992"/>
+          </a:xfrm>
+          <a:prstGeom prst="rect">
+            <a:avLst/>
+          </a:prstGeom>
+          <a:solidFill>
+            <a:schemeClr val="tx1"/>
+          </a:solidFill>
+          <a:ln>
+            <a:noFill/>
+          </a:ln>
+          <a:effectLst/>
+        </p:spPr>
+        <p:txBody>
+          <a:bodyPr vert="horz" wrap="none" lIns="91440" tIns="45720" rIns="91440" bIns="45720" numCol="1" anchor="ctr" anchorCtr="0" compatLnSpc="1">
+            <a:prstTxWarp prst="textNoShape">
+              <a:avLst/>
+            </a:prstTxWarp>
+            <a:spAutoFit/>
+          </a:bodyPr>
+          <a:lstStyle/>
+          <a:p>
+            <a:pPr marL="0" marR="0" lvl="0" indent="0" algn="l" defTabSz="914400" rtl="0" eaLnBrk="0" fontAlgn="base" latinLnBrk="0" hangingPunct="0">
+              <a:lnSpc>
+                <a:spcPct val="100000"/>
+              </a:lnSpc>
+              <a:spcBef>
+                <a:spcPct val="0"/>
+              </a:spcBef>
+              <a:spcAft>
+                <a:spcPct val="0"/>
+              </a:spcAft>
+              <a:buClrTx/>
+              <a:buSzTx/>
+              <a:buFontTx/>
+              <a:buNone/>
+              <a:tabLst/>
+            </a:pPr>
+            <a:r>
+              <a:rPr kumimoji="0" lang="de-DE" altLang="de-DE" sz="1000" b="0" u="none" strike="noStrike" cap="none" normalizeH="0" baseline="0" dirty="0">
+                <a:ln>
+                  <a:noFill/>
+                </a:ln>
+                <a:solidFill>
+                  <a:srgbClr val="CC7832"/>
+                </a:solidFill>
+                <a:effectLst/>
+                <a:latin typeface="Source Code Pro" panose="020B0509030403020204" pitchFamily="49" charset="0"/>
+              </a:rPr>
+              <a:t>&lt;?</a:t>
+            </a:r>
+            <a:r>
+              <a:rPr kumimoji="0" lang="de-DE" altLang="de-DE" sz="1000" b="0" u="none" strike="noStrike" cap="none" normalizeH="0" baseline="0" dirty="0" err="1">
+                <a:ln>
+                  <a:noFill/>
+                </a:ln>
+                <a:solidFill>
+                  <a:srgbClr val="CC7832"/>
+                </a:solidFill>
+                <a:effectLst/>
+                <a:latin typeface="Source Code Pro" panose="020B0509030403020204" pitchFamily="49" charset="0"/>
+              </a:rPr>
+              <a:t>php</a:t>
+            </a:r>
+            <a:br>
+              <a:rPr kumimoji="0" lang="de-DE" altLang="de-DE" sz="1000" b="0" u="none" strike="noStrike" cap="none" normalizeH="0" baseline="0" dirty="0">
+                <a:ln>
+                  <a:noFill/>
+                </a:ln>
+                <a:solidFill>
+                  <a:srgbClr val="CC7832"/>
+                </a:solidFill>
+                <a:effectLst/>
+                <a:latin typeface="Source Code Pro" panose="020B0509030403020204" pitchFamily="49" charset="0"/>
+              </a:rPr>
+            </a:br>
+            <a:r>
+              <a:rPr kumimoji="0" lang="de-DE" altLang="de-DE" sz="1000" b="0" u="none" strike="noStrike" cap="none" normalizeH="0" baseline="0" dirty="0">
+                <a:ln>
+                  <a:noFill/>
+                </a:ln>
+                <a:solidFill>
+                  <a:srgbClr val="9876AA"/>
+                </a:solidFill>
+                <a:effectLst/>
+                <a:latin typeface="Source Code Pro" panose="020B0509030403020204" pitchFamily="49" charset="0"/>
+              </a:rPr>
+              <a:t>$</a:t>
+            </a:r>
+            <a:r>
+              <a:rPr kumimoji="0" lang="de-DE" altLang="de-DE" sz="1000" b="0" u="none" strike="noStrike" cap="none" normalizeH="0" baseline="0" dirty="0" err="1">
+                <a:ln>
+                  <a:noFill/>
+                </a:ln>
+                <a:solidFill>
+                  <a:srgbClr val="9876AA"/>
+                </a:solidFill>
+                <a:effectLst/>
+                <a:latin typeface="Source Code Pro" panose="020B0509030403020204" pitchFamily="49" charset="0"/>
+              </a:rPr>
+              <a:t>mysqli</a:t>
+            </a:r>
+            <a:r>
+              <a:rPr kumimoji="0" lang="de-DE" altLang="de-DE" sz="1000" b="0" u="none" strike="noStrike" cap="none" normalizeH="0" baseline="0" dirty="0">
+                <a:ln>
+                  <a:noFill/>
+                </a:ln>
+                <a:solidFill>
+                  <a:srgbClr val="9876AA"/>
+                </a:solidFill>
+                <a:effectLst/>
+                <a:latin typeface="Source Code Pro" panose="020B0509030403020204" pitchFamily="49" charset="0"/>
+              </a:rPr>
+              <a:t> </a:t>
+            </a:r>
+            <a:r>
+              <a:rPr kumimoji="0" lang="de-DE" altLang="de-DE" sz="1000" b="0" u="none" strike="noStrike" cap="none" normalizeH="0" baseline="0" dirty="0">
+                <a:ln>
+                  <a:noFill/>
+                </a:ln>
+                <a:solidFill>
+                  <a:srgbClr val="A9B7C6"/>
+                </a:solidFill>
+                <a:effectLst/>
+                <a:latin typeface="Source Code Pro" panose="020B0509030403020204" pitchFamily="49" charset="0"/>
+              </a:rPr>
+              <a:t>= </a:t>
+            </a:r>
+            <a:r>
+              <a:rPr kumimoji="0" lang="de-DE" altLang="de-DE" sz="1000" b="0" u="none" strike="noStrike" cap="none" normalizeH="0" baseline="0" dirty="0" err="1">
+                <a:ln>
+                  <a:noFill/>
+                </a:ln>
+                <a:solidFill>
+                  <a:srgbClr val="CC7832"/>
+                </a:solidFill>
+                <a:effectLst/>
+                <a:latin typeface="Source Code Pro" panose="020B0509030403020204" pitchFamily="49" charset="0"/>
+              </a:rPr>
+              <a:t>new</a:t>
+            </a:r>
+            <a:r>
+              <a:rPr kumimoji="0" lang="de-DE" altLang="de-DE" sz="1000" b="0" u="none" strike="noStrike" cap="none" normalizeH="0" baseline="0" dirty="0">
+                <a:ln>
+                  <a:noFill/>
+                </a:ln>
+                <a:solidFill>
+                  <a:srgbClr val="CC7832"/>
+                </a:solidFill>
+                <a:effectLst/>
+                <a:latin typeface="Source Code Pro" panose="020B0509030403020204" pitchFamily="49" charset="0"/>
+              </a:rPr>
+              <a:t> </a:t>
+            </a:r>
+            <a:r>
+              <a:rPr kumimoji="0" lang="de-DE" altLang="de-DE" sz="1000" b="0" u="none" strike="noStrike" cap="none" normalizeH="0" baseline="0" dirty="0" err="1">
+                <a:ln>
+                  <a:noFill/>
+                </a:ln>
+                <a:solidFill>
+                  <a:srgbClr val="A9B7C6"/>
+                </a:solidFill>
+                <a:effectLst/>
+                <a:latin typeface="Source Code Pro" panose="020B0509030403020204" pitchFamily="49" charset="0"/>
+              </a:rPr>
+              <a:t>mysqli</a:t>
+            </a:r>
+            <a:r>
+              <a:rPr kumimoji="0" lang="de-DE" altLang="de-DE" sz="1000" b="0" u="none" strike="noStrike" cap="none" normalizeH="0" baseline="0" dirty="0">
+                <a:ln>
+                  <a:noFill/>
+                </a:ln>
+                <a:solidFill>
+                  <a:srgbClr val="9876AA"/>
+                </a:solidFill>
+                <a:effectLst/>
+                <a:latin typeface="Source Code Pro" panose="020B0509030403020204" pitchFamily="49" charset="0"/>
+              </a:rPr>
+              <a:t>(</a:t>
+            </a:r>
+            <a:r>
+              <a:rPr kumimoji="0" lang="de-DE" altLang="de-DE" sz="1000" b="0" u="none" strike="noStrike" cap="none" normalizeH="0" baseline="0" dirty="0">
+                <a:ln>
+                  <a:noFill/>
+                </a:ln>
+                <a:solidFill>
+                  <a:srgbClr val="6A8759"/>
+                </a:solidFill>
+                <a:effectLst/>
+                <a:latin typeface="Source Code Pro" panose="020B0509030403020204" pitchFamily="49" charset="0"/>
+              </a:rPr>
+              <a:t>"</a:t>
+            </a:r>
+            <a:r>
+              <a:rPr kumimoji="0" lang="de-DE" altLang="de-DE" sz="1000" b="0" u="none" strike="noStrike" cap="none" normalizeH="0" baseline="0" dirty="0" err="1">
+                <a:ln>
+                  <a:noFill/>
+                </a:ln>
+                <a:solidFill>
+                  <a:srgbClr val="6A8759"/>
+                </a:solidFill>
+                <a:effectLst/>
+                <a:latin typeface="Source Code Pro" panose="020B0509030403020204" pitchFamily="49" charset="0"/>
+              </a:rPr>
+              <a:t>localhost</a:t>
+            </a:r>
+            <a:r>
+              <a:rPr kumimoji="0" lang="de-DE" altLang="de-DE" sz="1000" b="0" u="none" strike="noStrike" cap="none" normalizeH="0" baseline="0" dirty="0">
+                <a:ln>
+                  <a:noFill/>
+                </a:ln>
+                <a:solidFill>
+                  <a:srgbClr val="6A8759"/>
+                </a:solidFill>
+                <a:effectLst/>
+                <a:latin typeface="Source Code Pro" panose="020B0509030403020204" pitchFamily="49" charset="0"/>
+              </a:rPr>
+              <a:t>"</a:t>
+            </a:r>
+            <a:r>
+              <a:rPr kumimoji="0" lang="de-DE" altLang="de-DE" sz="1000" b="0" u="none" strike="noStrike" cap="none" normalizeH="0" baseline="0" dirty="0">
+                <a:ln>
+                  <a:noFill/>
+                </a:ln>
+                <a:solidFill>
+                  <a:srgbClr val="CC7832"/>
+                </a:solidFill>
+                <a:effectLst/>
+                <a:latin typeface="Source Code Pro" panose="020B0509030403020204" pitchFamily="49" charset="0"/>
+              </a:rPr>
+              <a:t>,</a:t>
+            </a:r>
+            <a:r>
+              <a:rPr kumimoji="0" lang="de-DE" altLang="de-DE" sz="1000" b="0" u="none" strike="noStrike" cap="none" normalizeH="0" baseline="0" dirty="0">
+                <a:ln>
+                  <a:noFill/>
+                </a:ln>
+                <a:solidFill>
+                  <a:srgbClr val="6A8759"/>
+                </a:solidFill>
+                <a:effectLst/>
+                <a:latin typeface="Source Code Pro" panose="020B0509030403020204" pitchFamily="49" charset="0"/>
+              </a:rPr>
+              <a:t>"root"</a:t>
+            </a:r>
+            <a:r>
+              <a:rPr kumimoji="0" lang="de-DE" altLang="de-DE" sz="1000" b="0" u="none" strike="noStrike" cap="none" normalizeH="0" baseline="0" dirty="0">
+                <a:ln>
+                  <a:noFill/>
+                </a:ln>
+                <a:solidFill>
+                  <a:srgbClr val="CC7832"/>
+                </a:solidFill>
+                <a:effectLst/>
+                <a:latin typeface="Source Code Pro" panose="020B0509030403020204" pitchFamily="49" charset="0"/>
+              </a:rPr>
+              <a:t>,</a:t>
+            </a:r>
+            <a:r>
+              <a:rPr kumimoji="0" lang="de-DE" altLang="de-DE" sz="1000" b="0" u="none" strike="noStrike" cap="none" normalizeH="0" baseline="0" dirty="0">
+                <a:ln>
+                  <a:noFill/>
+                </a:ln>
+                <a:solidFill>
+                  <a:srgbClr val="6A8759"/>
+                </a:solidFill>
+                <a:effectLst/>
+                <a:latin typeface="Source Code Pro" panose="020B0509030403020204" pitchFamily="49" charset="0"/>
+              </a:rPr>
+              <a:t>""</a:t>
+            </a:r>
+            <a:r>
+              <a:rPr kumimoji="0" lang="de-DE" altLang="de-DE" sz="1000" b="0" u="none" strike="noStrike" cap="none" normalizeH="0" baseline="0" dirty="0">
+                <a:ln>
+                  <a:noFill/>
+                </a:ln>
+                <a:solidFill>
+                  <a:srgbClr val="CC7832"/>
+                </a:solidFill>
+                <a:effectLst/>
+                <a:latin typeface="Source Code Pro" panose="020B0509030403020204" pitchFamily="49" charset="0"/>
+              </a:rPr>
+              <a:t>,</a:t>
+            </a:r>
+            <a:r>
+              <a:rPr kumimoji="0" lang="de-DE" altLang="de-DE" sz="1000" b="0" u="none" strike="noStrike" cap="none" normalizeH="0" baseline="0" dirty="0">
+                <a:ln>
+                  <a:noFill/>
+                </a:ln>
+                <a:solidFill>
+                  <a:srgbClr val="6A8759"/>
+                </a:solidFill>
+                <a:effectLst/>
+                <a:latin typeface="Source Code Pro" panose="020B0509030403020204" pitchFamily="49" charset="0"/>
+              </a:rPr>
+              <a:t>"</a:t>
+            </a:r>
+            <a:r>
+              <a:rPr kumimoji="0" lang="de-DE" altLang="de-DE" sz="1000" b="0" u="none" strike="noStrike" cap="none" normalizeH="0" baseline="0" dirty="0" err="1">
+                <a:ln>
+                  <a:noFill/>
+                </a:ln>
+                <a:solidFill>
+                  <a:srgbClr val="6A8759"/>
+                </a:solidFill>
+                <a:effectLst/>
+                <a:latin typeface="Source Code Pro" panose="020B0509030403020204" pitchFamily="49" charset="0"/>
+              </a:rPr>
+              <a:t>kundendaten</a:t>
+            </a:r>
+            <a:r>
+              <a:rPr kumimoji="0" lang="de-DE" altLang="de-DE" sz="1000" b="0" u="none" strike="noStrike" cap="none" normalizeH="0" baseline="0" dirty="0">
+                <a:ln>
+                  <a:noFill/>
+                </a:ln>
+                <a:solidFill>
+                  <a:srgbClr val="6A8759"/>
+                </a:solidFill>
+                <a:effectLst/>
+                <a:latin typeface="Source Code Pro" panose="020B0509030403020204" pitchFamily="49" charset="0"/>
+              </a:rPr>
+              <a:t>"</a:t>
+            </a:r>
+            <a:r>
+              <a:rPr kumimoji="0" lang="de-DE" altLang="de-DE" sz="1000" b="0" u="none" strike="noStrike" cap="none" normalizeH="0" baseline="0" dirty="0">
+                <a:ln>
+                  <a:noFill/>
+                </a:ln>
+                <a:solidFill>
+                  <a:srgbClr val="9876AA"/>
+                </a:solidFill>
+                <a:effectLst/>
+                <a:latin typeface="Source Code Pro" panose="020B0509030403020204" pitchFamily="49" charset="0"/>
+              </a:rPr>
+              <a:t>)</a:t>
+            </a:r>
+            <a:r>
+              <a:rPr kumimoji="0" lang="de-DE" altLang="de-DE" sz="1000" b="0" u="none" strike="noStrike" cap="none" normalizeH="0" baseline="0" dirty="0">
+                <a:ln>
+                  <a:noFill/>
+                </a:ln>
+                <a:solidFill>
+                  <a:srgbClr val="CC7832"/>
+                </a:solidFill>
+                <a:effectLst/>
+                <a:latin typeface="Source Code Pro" panose="020B0509030403020204" pitchFamily="49" charset="0"/>
+              </a:rPr>
+              <a:t>;</a:t>
+            </a:r>
+            <a:br>
+              <a:rPr kumimoji="0" lang="de-DE" altLang="de-DE" sz="1000" b="0" u="none" strike="noStrike" cap="none" normalizeH="0" baseline="0" dirty="0">
+                <a:ln>
+                  <a:noFill/>
+                </a:ln>
+                <a:solidFill>
+                  <a:srgbClr val="CC7832"/>
+                </a:solidFill>
+                <a:effectLst/>
+                <a:latin typeface="Source Code Pro" panose="020B0509030403020204" pitchFamily="49" charset="0"/>
+              </a:rPr>
+            </a:br>
+            <a:r>
+              <a:rPr kumimoji="0" lang="de-DE" altLang="de-DE" sz="1000" b="0" u="none" strike="noStrike" cap="none" normalizeH="0" baseline="0" dirty="0" err="1">
+                <a:ln>
+                  <a:noFill/>
+                </a:ln>
+                <a:solidFill>
+                  <a:srgbClr val="CC7832"/>
+                </a:solidFill>
+                <a:effectLst/>
+                <a:latin typeface="Source Code Pro" panose="020B0509030403020204" pitchFamily="49" charset="0"/>
+              </a:rPr>
+              <a:t>if</a:t>
+            </a:r>
+            <a:r>
+              <a:rPr kumimoji="0" lang="de-DE" altLang="de-DE" sz="1000" b="0" u="none" strike="noStrike" cap="none" normalizeH="0" baseline="0" dirty="0">
+                <a:ln>
+                  <a:noFill/>
+                </a:ln>
+                <a:solidFill>
+                  <a:srgbClr val="CC7832"/>
+                </a:solidFill>
+                <a:effectLst/>
+                <a:latin typeface="Source Code Pro" panose="020B0509030403020204" pitchFamily="49" charset="0"/>
+              </a:rPr>
+              <a:t> </a:t>
+            </a:r>
+            <a:r>
+              <a:rPr kumimoji="0" lang="de-DE" altLang="de-DE" sz="1000" b="0" u="none" strike="noStrike" cap="none" normalizeH="0" baseline="0" dirty="0">
+                <a:ln>
+                  <a:noFill/>
+                </a:ln>
+                <a:solidFill>
+                  <a:srgbClr val="9876AA"/>
+                </a:solidFill>
+                <a:effectLst/>
+                <a:latin typeface="Source Code Pro" panose="020B0509030403020204" pitchFamily="49" charset="0"/>
+              </a:rPr>
+              <a:t>($</a:t>
+            </a:r>
+            <a:r>
+              <a:rPr kumimoji="0" lang="de-DE" altLang="de-DE" sz="1000" b="0" u="none" strike="noStrike" cap="none" normalizeH="0" baseline="0" dirty="0" err="1">
+                <a:ln>
+                  <a:noFill/>
+                </a:ln>
+                <a:solidFill>
+                  <a:srgbClr val="9876AA"/>
+                </a:solidFill>
+                <a:effectLst/>
+                <a:latin typeface="Source Code Pro" panose="020B0509030403020204" pitchFamily="49" charset="0"/>
+              </a:rPr>
+              <a:t>mysqli</a:t>
+            </a:r>
+            <a:r>
+              <a:rPr kumimoji="0" lang="de-DE" altLang="de-DE" sz="1000" b="0" u="none" strike="noStrike" cap="none" normalizeH="0" baseline="0" dirty="0">
+                <a:ln>
+                  <a:noFill/>
+                </a:ln>
+                <a:solidFill>
+                  <a:srgbClr val="9876AA"/>
+                </a:solidFill>
+                <a:effectLst/>
+                <a:latin typeface="Source Code Pro" panose="020B0509030403020204" pitchFamily="49" charset="0"/>
+              </a:rPr>
+              <a:t> </a:t>
+            </a:r>
+            <a:r>
+              <a:rPr kumimoji="0" lang="de-DE" altLang="de-DE" sz="1000" b="0" u="none" strike="noStrike" cap="none" normalizeH="0" baseline="0" dirty="0">
+                <a:ln>
+                  <a:noFill/>
+                </a:ln>
+                <a:solidFill>
+                  <a:srgbClr val="A9B7C6"/>
+                </a:solidFill>
+                <a:effectLst/>
+                <a:latin typeface="Source Code Pro" panose="020B0509030403020204" pitchFamily="49" charset="0"/>
+              </a:rPr>
+              <a:t>-&gt; </a:t>
+            </a:r>
+            <a:r>
+              <a:rPr kumimoji="0" lang="de-DE" altLang="de-DE" sz="1000" b="0" u="none" strike="noStrike" cap="none" normalizeH="0" baseline="0" dirty="0" err="1">
+                <a:ln>
+                  <a:noFill/>
+                </a:ln>
+                <a:solidFill>
+                  <a:srgbClr val="9876AA"/>
+                </a:solidFill>
+                <a:effectLst/>
+                <a:latin typeface="Source Code Pro" panose="020B0509030403020204" pitchFamily="49" charset="0"/>
+              </a:rPr>
+              <a:t>connect_errno</a:t>
+            </a:r>
+            <a:r>
+              <a:rPr kumimoji="0" lang="de-DE" altLang="de-DE" sz="1000" b="0" u="none" strike="noStrike" cap="none" normalizeH="0" baseline="0" dirty="0">
+                <a:ln>
+                  <a:noFill/>
+                </a:ln>
+                <a:solidFill>
+                  <a:srgbClr val="9876AA"/>
+                </a:solidFill>
+                <a:effectLst/>
+                <a:latin typeface="Source Code Pro" panose="020B0509030403020204" pitchFamily="49" charset="0"/>
+              </a:rPr>
+              <a:t>) {</a:t>
+            </a:r>
+            <a:br>
+              <a:rPr kumimoji="0" lang="de-DE" altLang="de-DE" sz="1000" b="0" u="none" strike="noStrike" cap="none" normalizeH="0" baseline="0" dirty="0">
+                <a:ln>
+                  <a:noFill/>
+                </a:ln>
+                <a:solidFill>
+                  <a:srgbClr val="9876AA"/>
+                </a:solidFill>
+                <a:effectLst/>
+                <a:latin typeface="Source Code Pro" panose="020B0509030403020204" pitchFamily="49" charset="0"/>
+              </a:rPr>
+            </a:br>
+            <a:r>
+              <a:rPr kumimoji="0" lang="de-DE" altLang="de-DE" sz="1000" b="0" u="none" strike="noStrike" cap="none" normalizeH="0" baseline="0" dirty="0">
+                <a:ln>
+                  <a:noFill/>
+                </a:ln>
+                <a:solidFill>
+                  <a:srgbClr val="9876AA"/>
+                </a:solidFill>
+                <a:effectLst/>
+                <a:latin typeface="Source Code Pro" panose="020B0509030403020204" pitchFamily="49" charset="0"/>
+              </a:rPr>
+              <a:t>    </a:t>
+            </a:r>
+            <a:r>
+              <a:rPr kumimoji="0" lang="de-DE" altLang="de-DE" sz="1000" b="0" u="none" strike="noStrike" cap="none" normalizeH="0" baseline="0" dirty="0">
+                <a:ln>
+                  <a:noFill/>
+                </a:ln>
+                <a:solidFill>
+                  <a:srgbClr val="CC7832"/>
+                </a:solidFill>
+                <a:effectLst/>
+                <a:latin typeface="Source Code Pro" panose="020B0509030403020204" pitchFamily="49" charset="0"/>
+              </a:rPr>
+              <a:t>die</a:t>
+            </a:r>
+            <a:r>
+              <a:rPr kumimoji="0" lang="de-DE" altLang="de-DE" sz="1000" b="0" u="none" strike="noStrike" cap="none" normalizeH="0" baseline="0" dirty="0">
+                <a:ln>
+                  <a:noFill/>
+                </a:ln>
+                <a:solidFill>
+                  <a:srgbClr val="9876AA"/>
+                </a:solidFill>
+                <a:effectLst/>
+                <a:latin typeface="Source Code Pro" panose="020B0509030403020204" pitchFamily="49" charset="0"/>
+              </a:rPr>
+              <a:t>(</a:t>
+            </a:r>
+            <a:r>
+              <a:rPr kumimoji="0" lang="de-DE" altLang="de-DE" sz="1000" b="0" u="none" strike="noStrike" cap="none" normalizeH="0" baseline="0" dirty="0">
+                <a:ln>
+                  <a:noFill/>
+                </a:ln>
+                <a:solidFill>
+                  <a:srgbClr val="6A8759"/>
+                </a:solidFill>
+                <a:effectLst/>
+                <a:latin typeface="Source Code Pro" panose="020B0509030403020204" pitchFamily="49" charset="0"/>
+              </a:rPr>
+              <a:t>"Fehler: " </a:t>
+            </a:r>
+            <a:r>
+              <a:rPr kumimoji="0" lang="de-DE" altLang="de-DE" sz="1000" b="0" u="none" strike="noStrike" cap="none" normalizeH="0" baseline="0" dirty="0">
+                <a:ln>
+                  <a:noFill/>
+                </a:ln>
+                <a:solidFill>
+                  <a:srgbClr val="A9B7C6"/>
+                </a:solidFill>
+                <a:effectLst/>
+                <a:latin typeface="Source Code Pro" panose="020B0509030403020204" pitchFamily="49" charset="0"/>
+              </a:rPr>
+              <a:t>. </a:t>
+            </a:r>
+            <a:r>
+              <a:rPr kumimoji="0" lang="de-DE" altLang="de-DE" sz="1000" b="0" u="none" strike="noStrike" cap="none" normalizeH="0" baseline="0" dirty="0">
+                <a:ln>
+                  <a:noFill/>
+                </a:ln>
+                <a:solidFill>
+                  <a:srgbClr val="9876AA"/>
+                </a:solidFill>
+                <a:effectLst/>
+                <a:latin typeface="Source Code Pro" panose="020B0509030403020204" pitchFamily="49" charset="0"/>
+              </a:rPr>
+              <a:t>$</a:t>
+            </a:r>
+            <a:r>
+              <a:rPr kumimoji="0" lang="de-DE" altLang="de-DE" sz="1000" b="0" u="none" strike="noStrike" cap="none" normalizeH="0" baseline="0" dirty="0" err="1">
+                <a:ln>
+                  <a:noFill/>
+                </a:ln>
+                <a:solidFill>
+                  <a:srgbClr val="9876AA"/>
+                </a:solidFill>
+                <a:effectLst/>
+                <a:latin typeface="Source Code Pro" panose="020B0509030403020204" pitchFamily="49" charset="0"/>
+              </a:rPr>
+              <a:t>mysqli</a:t>
+            </a:r>
+            <a:r>
+              <a:rPr kumimoji="0" lang="de-DE" altLang="de-DE" sz="1000" b="0" u="none" strike="noStrike" cap="none" normalizeH="0" baseline="0" dirty="0">
+                <a:ln>
+                  <a:noFill/>
+                </a:ln>
+                <a:solidFill>
+                  <a:srgbClr val="9876AA"/>
+                </a:solidFill>
+                <a:effectLst/>
+                <a:latin typeface="Source Code Pro" panose="020B0509030403020204" pitchFamily="49" charset="0"/>
+              </a:rPr>
+              <a:t> </a:t>
+            </a:r>
+            <a:r>
+              <a:rPr kumimoji="0" lang="de-DE" altLang="de-DE" sz="1000" b="0" u="none" strike="noStrike" cap="none" normalizeH="0" baseline="0" dirty="0">
+                <a:ln>
+                  <a:noFill/>
+                </a:ln>
+                <a:solidFill>
+                  <a:srgbClr val="A9B7C6"/>
+                </a:solidFill>
+                <a:effectLst/>
+                <a:latin typeface="Source Code Pro" panose="020B0509030403020204" pitchFamily="49" charset="0"/>
+              </a:rPr>
+              <a:t>-&gt; </a:t>
+            </a:r>
+            <a:r>
+              <a:rPr kumimoji="0" lang="de-DE" altLang="de-DE" sz="1000" b="0" u="none" strike="noStrike" cap="none" normalizeH="0" baseline="0" dirty="0" err="1">
+                <a:ln>
+                  <a:noFill/>
+                </a:ln>
+                <a:solidFill>
+                  <a:srgbClr val="9876AA"/>
+                </a:solidFill>
+                <a:effectLst/>
+                <a:latin typeface="Source Code Pro" panose="020B0509030403020204" pitchFamily="49" charset="0"/>
+              </a:rPr>
+              <a:t>connect_error</a:t>
+            </a:r>
+            <a:r>
+              <a:rPr kumimoji="0" lang="de-DE" altLang="de-DE" sz="1000" b="0" u="none" strike="noStrike" cap="none" normalizeH="0" baseline="0" dirty="0">
+                <a:ln>
+                  <a:noFill/>
+                </a:ln>
+                <a:solidFill>
+                  <a:srgbClr val="9876AA"/>
+                </a:solidFill>
+                <a:effectLst/>
+                <a:latin typeface="Source Code Pro" panose="020B0509030403020204" pitchFamily="49" charset="0"/>
+              </a:rPr>
+              <a:t>)</a:t>
+            </a:r>
+            <a:r>
+              <a:rPr kumimoji="0" lang="de-DE" altLang="de-DE" sz="1000" b="0" u="none" strike="noStrike" cap="none" normalizeH="0" baseline="0" dirty="0">
+                <a:ln>
+                  <a:noFill/>
+                </a:ln>
+                <a:solidFill>
+                  <a:srgbClr val="CC7832"/>
+                </a:solidFill>
+                <a:effectLst/>
+                <a:latin typeface="Source Code Pro" panose="020B0509030403020204" pitchFamily="49" charset="0"/>
+              </a:rPr>
+              <a:t>;</a:t>
+            </a:r>
+            <a:br>
+              <a:rPr kumimoji="0" lang="de-DE" altLang="de-DE" sz="1000" b="0" u="none" strike="noStrike" cap="none" normalizeH="0" baseline="0" dirty="0">
+                <a:ln>
+                  <a:noFill/>
+                </a:ln>
+                <a:solidFill>
+                  <a:srgbClr val="CC7832"/>
+                </a:solidFill>
+                <a:effectLst/>
+                <a:latin typeface="Source Code Pro" panose="020B0509030403020204" pitchFamily="49" charset="0"/>
+              </a:rPr>
+            </a:br>
+            <a:r>
+              <a:rPr kumimoji="0" lang="de-DE" altLang="de-DE" sz="1000" b="0" u="none" strike="noStrike" cap="none" normalizeH="0" baseline="0" dirty="0">
+                <a:ln>
+                  <a:noFill/>
+                </a:ln>
+                <a:solidFill>
+                  <a:srgbClr val="9876AA"/>
+                </a:solidFill>
+                <a:effectLst/>
+                <a:latin typeface="Source Code Pro" panose="020B0509030403020204" pitchFamily="49" charset="0"/>
+              </a:rPr>
+              <a:t>}</a:t>
+            </a:r>
+            <a:br>
+              <a:rPr kumimoji="0" lang="de-DE" altLang="de-DE" sz="1000" b="0" u="none" strike="noStrike" cap="none" normalizeH="0" baseline="0" dirty="0">
+                <a:ln>
+                  <a:noFill/>
+                </a:ln>
+                <a:solidFill>
+                  <a:srgbClr val="9876AA"/>
+                </a:solidFill>
+                <a:effectLst/>
+                <a:latin typeface="Source Code Pro" panose="020B0509030403020204" pitchFamily="49" charset="0"/>
+              </a:rPr>
+            </a:br>
+            <a:br>
+              <a:rPr kumimoji="0" lang="de-DE" altLang="de-DE" sz="1000" b="0" u="none" strike="noStrike" cap="none" normalizeH="0" baseline="0" dirty="0">
+                <a:ln>
+                  <a:noFill/>
+                </a:ln>
+                <a:solidFill>
+                  <a:srgbClr val="9876AA"/>
+                </a:solidFill>
+                <a:effectLst/>
+                <a:latin typeface="Source Code Pro" panose="020B0509030403020204" pitchFamily="49" charset="0"/>
+              </a:rPr>
+            </a:br>
+            <a:r>
+              <a:rPr kumimoji="0" lang="de-DE" altLang="de-DE" sz="1000" b="0" u="none" strike="noStrike" cap="none" normalizeH="0" baseline="0" dirty="0">
+                <a:ln>
+                  <a:noFill/>
+                </a:ln>
+                <a:solidFill>
+                  <a:srgbClr val="9876AA"/>
+                </a:solidFill>
+                <a:effectLst/>
+                <a:latin typeface="Source Code Pro" panose="020B0509030403020204" pitchFamily="49" charset="0"/>
+              </a:rPr>
+              <a:t>$</a:t>
+            </a:r>
+            <a:r>
+              <a:rPr kumimoji="0" lang="de-DE" altLang="de-DE" sz="1000" b="0" u="none" strike="noStrike" cap="none" normalizeH="0" baseline="0" dirty="0" err="1">
+                <a:ln>
+                  <a:noFill/>
+                </a:ln>
+                <a:solidFill>
+                  <a:srgbClr val="9876AA"/>
+                </a:solidFill>
+                <a:effectLst/>
+                <a:latin typeface="Source Code Pro" panose="020B0509030403020204" pitchFamily="49" charset="0"/>
+              </a:rPr>
+              <a:t>sql</a:t>
+            </a:r>
+            <a:r>
+              <a:rPr kumimoji="0" lang="de-DE" altLang="de-DE" sz="1000" b="0" u="none" strike="noStrike" cap="none" normalizeH="0" baseline="0" dirty="0">
+                <a:ln>
+                  <a:noFill/>
+                </a:ln>
+                <a:solidFill>
+                  <a:srgbClr val="9876AA"/>
+                </a:solidFill>
+                <a:effectLst/>
+                <a:latin typeface="Source Code Pro" panose="020B0509030403020204" pitchFamily="49" charset="0"/>
+              </a:rPr>
+              <a:t> </a:t>
+            </a:r>
+            <a:r>
+              <a:rPr kumimoji="0" lang="de-DE" altLang="de-DE" sz="1000" b="0" u="none" strike="noStrike" cap="none" normalizeH="0" baseline="0" dirty="0">
+                <a:ln>
+                  <a:noFill/>
+                </a:ln>
+                <a:solidFill>
+                  <a:srgbClr val="A9B7C6"/>
+                </a:solidFill>
+                <a:effectLst/>
+                <a:latin typeface="Source Code Pro" panose="020B0509030403020204" pitchFamily="49" charset="0"/>
+              </a:rPr>
+              <a:t>= </a:t>
+            </a:r>
+            <a:r>
+              <a:rPr kumimoji="0" lang="de-DE" altLang="de-DE" sz="1000" b="0" u="none" strike="noStrike" cap="none" normalizeH="0" baseline="0" dirty="0">
+                <a:ln>
+                  <a:noFill/>
+                </a:ln>
+                <a:solidFill>
+                  <a:srgbClr val="6A8759"/>
+                </a:solidFill>
+                <a:effectLst/>
+                <a:latin typeface="Source Code Pro" panose="020B0509030403020204" pitchFamily="49" charset="0"/>
+              </a:rPr>
+              <a:t>"SELECT * FROM </a:t>
+            </a:r>
+            <a:r>
+              <a:rPr kumimoji="0" lang="de-DE" altLang="de-DE" sz="1000" b="0" u="none" strike="noStrike" cap="none" normalizeH="0" baseline="0" dirty="0" err="1">
+                <a:ln>
+                  <a:noFill/>
+                </a:ln>
+                <a:solidFill>
+                  <a:srgbClr val="6A8759"/>
+                </a:solidFill>
+                <a:effectLst/>
+                <a:latin typeface="Source Code Pro" panose="020B0509030403020204" pitchFamily="49" charset="0"/>
+              </a:rPr>
+              <a:t>kunden</a:t>
+            </a:r>
+            <a:r>
+              <a:rPr kumimoji="0" lang="de-DE" altLang="de-DE" sz="1000" b="0" u="none" strike="noStrike" cap="none" normalizeH="0" baseline="0" dirty="0">
+                <a:ln>
+                  <a:noFill/>
+                </a:ln>
+                <a:solidFill>
+                  <a:srgbClr val="6A8759"/>
+                </a:solidFill>
+                <a:effectLst/>
+                <a:latin typeface="Source Code Pro" panose="020B0509030403020204" pitchFamily="49" charset="0"/>
+              </a:rPr>
+              <a:t>"</a:t>
+            </a:r>
+            <a:r>
+              <a:rPr kumimoji="0" lang="de-DE" altLang="de-DE" sz="1000" b="0" u="none" strike="noStrike" cap="none" normalizeH="0" baseline="0" dirty="0">
+                <a:ln>
+                  <a:noFill/>
+                </a:ln>
+                <a:solidFill>
+                  <a:srgbClr val="CC7832"/>
+                </a:solidFill>
+                <a:effectLst/>
+                <a:latin typeface="Source Code Pro" panose="020B0509030403020204" pitchFamily="49" charset="0"/>
+              </a:rPr>
+              <a:t>; </a:t>
+            </a:r>
+            <a:br>
+              <a:rPr kumimoji="0" lang="de-DE" altLang="de-DE" sz="1000" b="0" u="none" strike="noStrike" cap="none" normalizeH="0" baseline="0" dirty="0">
+                <a:ln>
+                  <a:noFill/>
+                </a:ln>
+                <a:solidFill>
+                  <a:srgbClr val="CC7832"/>
+                </a:solidFill>
+                <a:effectLst/>
+                <a:latin typeface="Source Code Pro" panose="020B0509030403020204" pitchFamily="49" charset="0"/>
+              </a:rPr>
+            </a:br>
+            <a:r>
+              <a:rPr kumimoji="0" lang="de-DE" altLang="de-DE" sz="1000" b="0" u="none" strike="noStrike" cap="none" normalizeH="0" baseline="0" dirty="0">
+                <a:ln>
+                  <a:noFill/>
+                </a:ln>
+                <a:solidFill>
+                  <a:srgbClr val="9876AA"/>
+                </a:solidFill>
+                <a:effectLst/>
+                <a:latin typeface="Source Code Pro" panose="020B0509030403020204" pitchFamily="49" charset="0"/>
+              </a:rPr>
+              <a:t>$</a:t>
+            </a:r>
+            <a:r>
+              <a:rPr kumimoji="0" lang="de-DE" altLang="de-DE" sz="1000" b="0" u="none" strike="noStrike" cap="none" normalizeH="0" baseline="0" dirty="0" err="1">
+                <a:ln>
+                  <a:noFill/>
+                </a:ln>
+                <a:solidFill>
+                  <a:srgbClr val="9876AA"/>
+                </a:solidFill>
+                <a:effectLst/>
+                <a:latin typeface="Source Code Pro" panose="020B0509030403020204" pitchFamily="49" charset="0"/>
+              </a:rPr>
+              <a:t>result</a:t>
+            </a:r>
+            <a:r>
+              <a:rPr kumimoji="0" lang="de-DE" altLang="de-DE" sz="1000" b="0" u="none" strike="noStrike" cap="none" normalizeH="0" baseline="0" dirty="0">
+                <a:ln>
+                  <a:noFill/>
+                </a:ln>
+                <a:solidFill>
+                  <a:srgbClr val="9876AA"/>
+                </a:solidFill>
+                <a:effectLst/>
+                <a:latin typeface="Source Code Pro" panose="020B0509030403020204" pitchFamily="49" charset="0"/>
+              </a:rPr>
+              <a:t> </a:t>
+            </a:r>
+            <a:r>
+              <a:rPr kumimoji="0" lang="de-DE" altLang="de-DE" sz="1000" b="0" u="none" strike="noStrike" cap="none" normalizeH="0" baseline="0" dirty="0">
+                <a:ln>
+                  <a:noFill/>
+                </a:ln>
+                <a:solidFill>
+                  <a:srgbClr val="A9B7C6"/>
+                </a:solidFill>
+                <a:effectLst/>
+                <a:latin typeface="Source Code Pro" panose="020B0509030403020204" pitchFamily="49" charset="0"/>
+              </a:rPr>
+              <a:t>= </a:t>
+            </a:r>
+            <a:r>
+              <a:rPr kumimoji="0" lang="de-DE" altLang="de-DE" sz="1000" b="0" u="none" strike="noStrike" cap="none" normalizeH="0" baseline="0" dirty="0">
+                <a:ln>
+                  <a:noFill/>
+                </a:ln>
+                <a:solidFill>
+                  <a:srgbClr val="9876AA"/>
+                </a:solidFill>
+                <a:effectLst/>
+                <a:latin typeface="Source Code Pro" panose="020B0509030403020204" pitchFamily="49" charset="0"/>
+              </a:rPr>
+              <a:t>$</a:t>
+            </a:r>
+            <a:r>
+              <a:rPr kumimoji="0" lang="de-DE" altLang="de-DE" sz="1000" b="0" u="none" strike="noStrike" cap="none" normalizeH="0" baseline="0" dirty="0" err="1">
+                <a:ln>
+                  <a:noFill/>
+                </a:ln>
+                <a:solidFill>
+                  <a:srgbClr val="9876AA"/>
+                </a:solidFill>
+                <a:effectLst/>
+                <a:latin typeface="Source Code Pro" panose="020B0509030403020204" pitchFamily="49" charset="0"/>
+              </a:rPr>
+              <a:t>mysqli</a:t>
+            </a:r>
+            <a:r>
+              <a:rPr kumimoji="0" lang="de-DE" altLang="de-DE" sz="1000" b="0" u="none" strike="noStrike" cap="none" normalizeH="0" baseline="0" dirty="0">
+                <a:ln>
+                  <a:noFill/>
+                </a:ln>
+                <a:solidFill>
+                  <a:srgbClr val="A9B7C6"/>
+                </a:solidFill>
+                <a:effectLst/>
+                <a:latin typeface="Source Code Pro" panose="020B0509030403020204" pitchFamily="49" charset="0"/>
+              </a:rPr>
+              <a:t>-&gt;</a:t>
+            </a:r>
+            <a:r>
+              <a:rPr kumimoji="0" lang="de-DE" altLang="de-DE" sz="1000" b="0" u="none" strike="noStrike" cap="none" normalizeH="0" baseline="0" dirty="0" err="1">
+                <a:ln>
+                  <a:noFill/>
+                </a:ln>
+                <a:solidFill>
+                  <a:srgbClr val="FFC66D"/>
+                </a:solidFill>
+                <a:effectLst/>
+                <a:latin typeface="Source Code Pro" panose="020B0509030403020204" pitchFamily="49" charset="0"/>
+              </a:rPr>
+              <a:t>query</a:t>
+            </a:r>
+            <a:r>
+              <a:rPr kumimoji="0" lang="de-DE" altLang="de-DE" sz="1000" b="0" u="none" strike="noStrike" cap="none" normalizeH="0" baseline="0" dirty="0">
+                <a:ln>
+                  <a:noFill/>
+                </a:ln>
+                <a:solidFill>
+                  <a:srgbClr val="9876AA"/>
+                </a:solidFill>
+                <a:effectLst/>
+                <a:latin typeface="Source Code Pro" panose="020B0509030403020204" pitchFamily="49" charset="0"/>
+              </a:rPr>
+              <a:t>($</a:t>
+            </a:r>
+            <a:r>
+              <a:rPr kumimoji="0" lang="de-DE" altLang="de-DE" sz="1000" b="0" u="none" strike="noStrike" cap="none" normalizeH="0" baseline="0" dirty="0" err="1">
+                <a:ln>
+                  <a:noFill/>
+                </a:ln>
+                <a:solidFill>
+                  <a:srgbClr val="9876AA"/>
+                </a:solidFill>
+                <a:effectLst/>
+                <a:latin typeface="Source Code Pro" panose="020B0509030403020204" pitchFamily="49" charset="0"/>
+              </a:rPr>
+              <a:t>sql</a:t>
+            </a:r>
+            <a:r>
+              <a:rPr kumimoji="0" lang="de-DE" altLang="de-DE" sz="1000" b="0" u="none" strike="noStrike" cap="none" normalizeH="0" baseline="0" dirty="0">
+                <a:ln>
+                  <a:noFill/>
+                </a:ln>
+                <a:solidFill>
+                  <a:srgbClr val="9876AA"/>
+                </a:solidFill>
+                <a:effectLst/>
+                <a:latin typeface="Source Code Pro" panose="020B0509030403020204" pitchFamily="49" charset="0"/>
+              </a:rPr>
+              <a:t>)</a:t>
+            </a:r>
+            <a:r>
+              <a:rPr kumimoji="0" lang="de-DE" altLang="de-DE" sz="1000" b="0" u="none" strike="noStrike" cap="none" normalizeH="0" baseline="0" dirty="0">
+                <a:ln>
+                  <a:noFill/>
+                </a:ln>
+                <a:solidFill>
+                  <a:srgbClr val="CC7832"/>
+                </a:solidFill>
+                <a:effectLst/>
+                <a:latin typeface="Source Code Pro" panose="020B0509030403020204" pitchFamily="49" charset="0"/>
+              </a:rPr>
+              <a:t>;</a:t>
+            </a:r>
+            <a:br>
+              <a:rPr kumimoji="0" lang="de-DE" altLang="de-DE" sz="1000" b="0" u="none" strike="noStrike" cap="none" normalizeH="0" baseline="0" dirty="0">
+                <a:ln>
+                  <a:noFill/>
+                </a:ln>
+                <a:solidFill>
+                  <a:srgbClr val="CC7832"/>
+                </a:solidFill>
+                <a:effectLst/>
+                <a:latin typeface="Source Code Pro" panose="020B0509030403020204" pitchFamily="49" charset="0"/>
+              </a:rPr>
+            </a:br>
+            <a:br>
+              <a:rPr kumimoji="0" lang="de-DE" altLang="de-DE" sz="1000" b="0" u="none" strike="noStrike" cap="none" normalizeH="0" baseline="0" dirty="0">
+                <a:ln>
+                  <a:noFill/>
+                </a:ln>
+                <a:solidFill>
+                  <a:srgbClr val="CC7832"/>
+                </a:solidFill>
+                <a:effectLst/>
+                <a:latin typeface="Source Code Pro" panose="020B0509030403020204" pitchFamily="49" charset="0"/>
+              </a:rPr>
+            </a:br>
+            <a:r>
+              <a:rPr kumimoji="0" lang="de-DE" altLang="de-DE" sz="1000" b="0" u="none" strike="noStrike" cap="none" normalizeH="0" baseline="0" dirty="0" err="1">
+                <a:ln>
+                  <a:noFill/>
+                </a:ln>
+                <a:solidFill>
+                  <a:srgbClr val="CC7832"/>
+                </a:solidFill>
+                <a:effectLst/>
+                <a:latin typeface="Source Code Pro" panose="020B0509030403020204" pitchFamily="49" charset="0"/>
+              </a:rPr>
+              <a:t>while</a:t>
+            </a:r>
+            <a:r>
+              <a:rPr kumimoji="0" lang="de-DE" altLang="de-DE" sz="1000" b="0" u="none" strike="noStrike" cap="none" normalizeH="0" baseline="0" dirty="0">
+                <a:ln>
+                  <a:noFill/>
+                </a:ln>
+                <a:solidFill>
+                  <a:srgbClr val="9876AA"/>
+                </a:solidFill>
+                <a:effectLst/>
+                <a:latin typeface="Source Code Pro" panose="020B0509030403020204" pitchFamily="49" charset="0"/>
+              </a:rPr>
+              <a:t>($</a:t>
+            </a:r>
+            <a:r>
+              <a:rPr kumimoji="0" lang="de-DE" altLang="de-DE" sz="1000" b="0" u="none" strike="noStrike" cap="none" normalizeH="0" baseline="0" dirty="0" err="1">
+                <a:ln>
+                  <a:noFill/>
+                </a:ln>
+                <a:solidFill>
+                  <a:srgbClr val="9876AA"/>
+                </a:solidFill>
+                <a:effectLst/>
+                <a:latin typeface="Source Code Pro" panose="020B0509030403020204" pitchFamily="49" charset="0"/>
+              </a:rPr>
+              <a:t>row</a:t>
+            </a:r>
+            <a:r>
+              <a:rPr kumimoji="0" lang="de-DE" altLang="de-DE" sz="1000" b="0" u="none" strike="noStrike" cap="none" normalizeH="0" baseline="0" dirty="0">
+                <a:ln>
+                  <a:noFill/>
+                </a:ln>
+                <a:solidFill>
+                  <a:srgbClr val="9876AA"/>
+                </a:solidFill>
+                <a:effectLst/>
+                <a:latin typeface="Source Code Pro" panose="020B0509030403020204" pitchFamily="49" charset="0"/>
+              </a:rPr>
+              <a:t> </a:t>
+            </a:r>
+            <a:r>
+              <a:rPr kumimoji="0" lang="de-DE" altLang="de-DE" sz="1000" b="0" u="none" strike="noStrike" cap="none" normalizeH="0" baseline="0" dirty="0">
+                <a:ln>
+                  <a:noFill/>
+                </a:ln>
+                <a:solidFill>
+                  <a:srgbClr val="A9B7C6"/>
+                </a:solidFill>
+                <a:effectLst/>
+                <a:latin typeface="Source Code Pro" panose="020B0509030403020204" pitchFamily="49" charset="0"/>
+              </a:rPr>
+              <a:t>= </a:t>
+            </a:r>
+            <a:r>
+              <a:rPr kumimoji="0" lang="de-DE" altLang="de-DE" sz="1000" b="0" u="none" strike="noStrike" cap="none" normalizeH="0" baseline="0" dirty="0">
+                <a:ln>
+                  <a:noFill/>
+                </a:ln>
+                <a:solidFill>
+                  <a:srgbClr val="9876AA"/>
+                </a:solidFill>
+                <a:effectLst/>
+                <a:latin typeface="Source Code Pro" panose="020B0509030403020204" pitchFamily="49" charset="0"/>
+              </a:rPr>
+              <a:t>$</a:t>
+            </a:r>
+            <a:r>
+              <a:rPr kumimoji="0" lang="de-DE" altLang="de-DE" sz="1000" b="0" u="none" strike="noStrike" cap="none" normalizeH="0" baseline="0" dirty="0" err="1">
+                <a:ln>
+                  <a:noFill/>
+                </a:ln>
+                <a:solidFill>
+                  <a:srgbClr val="9876AA"/>
+                </a:solidFill>
+                <a:effectLst/>
+                <a:latin typeface="Source Code Pro" panose="020B0509030403020204" pitchFamily="49" charset="0"/>
+              </a:rPr>
+              <a:t>result</a:t>
+            </a:r>
+            <a:r>
+              <a:rPr kumimoji="0" lang="de-DE" altLang="de-DE" sz="1000" b="0" u="none" strike="noStrike" cap="none" normalizeH="0" baseline="0" dirty="0">
+                <a:ln>
+                  <a:noFill/>
+                </a:ln>
+                <a:solidFill>
+                  <a:srgbClr val="A9B7C6"/>
+                </a:solidFill>
+                <a:effectLst/>
+                <a:latin typeface="Source Code Pro" panose="020B0509030403020204" pitchFamily="49" charset="0"/>
+              </a:rPr>
+              <a:t>-&gt;</a:t>
+            </a:r>
+            <a:r>
+              <a:rPr kumimoji="0" lang="de-DE" altLang="de-DE" sz="1000" b="0" u="none" strike="noStrike" cap="none" normalizeH="0" baseline="0" dirty="0" err="1">
+                <a:ln>
+                  <a:noFill/>
+                </a:ln>
+                <a:solidFill>
+                  <a:srgbClr val="FFC66D"/>
+                </a:solidFill>
+                <a:effectLst/>
+                <a:latin typeface="Source Code Pro" panose="020B0509030403020204" pitchFamily="49" charset="0"/>
+              </a:rPr>
+              <a:t>fetch_assoc</a:t>
+            </a:r>
+            <a:r>
+              <a:rPr kumimoji="0" lang="de-DE" altLang="de-DE" sz="1000" b="0" u="none" strike="noStrike" cap="none" normalizeH="0" baseline="0" dirty="0">
+                <a:ln>
+                  <a:noFill/>
+                </a:ln>
+                <a:solidFill>
+                  <a:srgbClr val="9876AA"/>
+                </a:solidFill>
+                <a:effectLst/>
+                <a:latin typeface="Source Code Pro" panose="020B0509030403020204" pitchFamily="49" charset="0"/>
+              </a:rPr>
+              <a:t>()) {</a:t>
+            </a:r>
+            <a:br>
+              <a:rPr kumimoji="0" lang="de-DE" altLang="de-DE" sz="1000" b="0" u="none" strike="noStrike" cap="none" normalizeH="0" baseline="0" dirty="0">
+                <a:ln>
+                  <a:noFill/>
+                </a:ln>
+                <a:solidFill>
+                  <a:srgbClr val="9876AA"/>
+                </a:solidFill>
+                <a:effectLst/>
+                <a:latin typeface="Source Code Pro" panose="020B0509030403020204" pitchFamily="49" charset="0"/>
+              </a:rPr>
+            </a:br>
+            <a:r>
+              <a:rPr kumimoji="0" lang="de-DE" altLang="de-DE" sz="1000" b="0" u="none" strike="noStrike" cap="none" normalizeH="0" baseline="0" dirty="0">
+                <a:ln>
+                  <a:noFill/>
+                </a:ln>
+                <a:solidFill>
+                  <a:srgbClr val="9876AA"/>
+                </a:solidFill>
+                <a:effectLst/>
+                <a:latin typeface="Source Code Pro" panose="020B0509030403020204" pitchFamily="49" charset="0"/>
+              </a:rPr>
+              <a:t>    </a:t>
+            </a:r>
+            <a:r>
+              <a:rPr kumimoji="0" lang="de-DE" altLang="de-DE" sz="1000" b="0" u="none" strike="noStrike" cap="none" normalizeH="0" baseline="0" dirty="0" err="1">
+                <a:ln>
+                  <a:noFill/>
+                </a:ln>
+                <a:solidFill>
+                  <a:srgbClr val="CC7832"/>
+                </a:solidFill>
+                <a:effectLst/>
+                <a:latin typeface="Source Code Pro" panose="020B0509030403020204" pitchFamily="49" charset="0"/>
+              </a:rPr>
+              <a:t>print</a:t>
+            </a:r>
+            <a:r>
+              <a:rPr kumimoji="0" lang="de-DE" altLang="de-DE" sz="1000" b="0" u="none" strike="noStrike" cap="none" normalizeH="0" baseline="0" dirty="0">
+                <a:ln>
+                  <a:noFill/>
+                </a:ln>
+                <a:solidFill>
+                  <a:srgbClr val="9876AA"/>
+                </a:solidFill>
+                <a:effectLst/>
+                <a:latin typeface="Source Code Pro" panose="020B0509030403020204" pitchFamily="49" charset="0"/>
+              </a:rPr>
+              <a:t>(</a:t>
+            </a:r>
+            <a:r>
+              <a:rPr kumimoji="0" lang="de-DE" altLang="de-DE" sz="1000" b="0" u="none" strike="noStrike" cap="none" normalizeH="0" baseline="0" dirty="0">
+                <a:ln>
+                  <a:noFill/>
+                </a:ln>
+                <a:solidFill>
+                  <a:srgbClr val="6A8759"/>
+                </a:solidFill>
+                <a:effectLst/>
+                <a:latin typeface="Source Code Pro" panose="020B0509030403020204" pitchFamily="49" charset="0"/>
+              </a:rPr>
+              <a:t>"Vorname: "</a:t>
+            </a:r>
+            <a:r>
+              <a:rPr kumimoji="0" lang="de-DE" altLang="de-DE" sz="1000" b="0" u="none" strike="noStrike" cap="none" normalizeH="0" baseline="0" dirty="0">
+                <a:ln>
+                  <a:noFill/>
+                </a:ln>
+                <a:solidFill>
+                  <a:srgbClr val="A9B7C6"/>
+                </a:solidFill>
+                <a:effectLst/>
+                <a:latin typeface="Source Code Pro" panose="020B0509030403020204" pitchFamily="49" charset="0"/>
+              </a:rPr>
+              <a:t>.</a:t>
+            </a:r>
+            <a:r>
+              <a:rPr kumimoji="0" lang="de-DE" altLang="de-DE" sz="1000" b="0" u="none" strike="noStrike" cap="none" normalizeH="0" baseline="0" dirty="0">
+                <a:ln>
+                  <a:noFill/>
+                </a:ln>
+                <a:solidFill>
+                  <a:srgbClr val="9876AA"/>
+                </a:solidFill>
+                <a:effectLst/>
+                <a:latin typeface="Source Code Pro" panose="020B0509030403020204" pitchFamily="49" charset="0"/>
+              </a:rPr>
+              <a:t>$</a:t>
+            </a:r>
+            <a:r>
+              <a:rPr kumimoji="0" lang="de-DE" altLang="de-DE" sz="1000" b="0" u="none" strike="noStrike" cap="none" normalizeH="0" baseline="0" dirty="0" err="1">
+                <a:ln>
+                  <a:noFill/>
+                </a:ln>
+                <a:solidFill>
+                  <a:srgbClr val="9876AA"/>
+                </a:solidFill>
+                <a:effectLst/>
+                <a:latin typeface="Source Code Pro" panose="020B0509030403020204" pitchFamily="49" charset="0"/>
+              </a:rPr>
+              <a:t>row</a:t>
+            </a:r>
+            <a:r>
+              <a:rPr kumimoji="0" lang="de-DE" altLang="de-DE" sz="1000" b="0" u="none" strike="noStrike" cap="none" normalizeH="0" baseline="0" dirty="0">
+                <a:ln>
+                  <a:noFill/>
+                </a:ln>
+                <a:solidFill>
+                  <a:srgbClr val="9876AA"/>
+                </a:solidFill>
+                <a:effectLst/>
+                <a:latin typeface="Source Code Pro" panose="020B0509030403020204" pitchFamily="49" charset="0"/>
+              </a:rPr>
+              <a:t>[</a:t>
+            </a:r>
+            <a:r>
+              <a:rPr kumimoji="0" lang="de-DE" altLang="de-DE" sz="1000" b="0" u="none" strike="noStrike" cap="none" normalizeH="0" baseline="0" dirty="0">
+                <a:ln>
+                  <a:noFill/>
+                </a:ln>
+                <a:solidFill>
+                  <a:srgbClr val="6A8759"/>
+                </a:solidFill>
+                <a:effectLst/>
+                <a:latin typeface="Source Code Pro" panose="020B0509030403020204" pitchFamily="49" charset="0"/>
+              </a:rPr>
+              <a:t>'</a:t>
+            </a:r>
+            <a:r>
+              <a:rPr kumimoji="0" lang="de-DE" altLang="de-DE" sz="1000" b="0" u="none" strike="noStrike" cap="none" normalizeH="0" baseline="0" dirty="0" err="1">
+                <a:ln>
+                  <a:noFill/>
+                </a:ln>
+                <a:solidFill>
+                  <a:srgbClr val="6A8759"/>
+                </a:solidFill>
+                <a:effectLst/>
+                <a:latin typeface="Source Code Pro" panose="020B0509030403020204" pitchFamily="49" charset="0"/>
+              </a:rPr>
+              <a:t>kundenvorname</a:t>
+            </a:r>
+            <a:r>
+              <a:rPr kumimoji="0" lang="de-DE" altLang="de-DE" sz="1000" b="0" u="none" strike="noStrike" cap="none" normalizeH="0" baseline="0" dirty="0">
+                <a:ln>
+                  <a:noFill/>
+                </a:ln>
+                <a:solidFill>
+                  <a:srgbClr val="6A8759"/>
+                </a:solidFill>
+                <a:effectLst/>
+                <a:latin typeface="Source Code Pro" panose="020B0509030403020204" pitchFamily="49" charset="0"/>
+              </a:rPr>
+              <a:t>'</a:t>
+            </a:r>
+            <a:r>
+              <a:rPr kumimoji="0" lang="de-DE" altLang="de-DE" sz="1000" b="0" u="none" strike="noStrike" cap="none" normalizeH="0" baseline="0" dirty="0">
+                <a:ln>
+                  <a:noFill/>
+                </a:ln>
+                <a:solidFill>
+                  <a:srgbClr val="9876AA"/>
+                </a:solidFill>
+                <a:effectLst/>
+                <a:latin typeface="Source Code Pro" panose="020B0509030403020204" pitchFamily="49" charset="0"/>
+              </a:rPr>
+              <a:t>])</a:t>
+            </a:r>
+            <a:r>
+              <a:rPr kumimoji="0" lang="de-DE" altLang="de-DE" sz="1000" b="0" u="none" strike="noStrike" cap="none" normalizeH="0" baseline="0" dirty="0">
+                <a:ln>
+                  <a:noFill/>
+                </a:ln>
+                <a:solidFill>
+                  <a:srgbClr val="A9B7C6"/>
+                </a:solidFill>
+                <a:effectLst/>
+                <a:latin typeface="Source Code Pro" panose="020B0509030403020204" pitchFamily="49" charset="0"/>
+              </a:rPr>
+              <a:t>.</a:t>
+            </a:r>
+            <a:r>
+              <a:rPr kumimoji="0" lang="de-DE" altLang="de-DE" sz="1000" b="0" u="none" strike="noStrike" cap="none" normalizeH="0" baseline="0" dirty="0">
+                <a:ln>
+                  <a:noFill/>
+                </a:ln>
+                <a:solidFill>
+                  <a:srgbClr val="6A8759"/>
+                </a:solidFill>
+                <a:effectLst/>
+                <a:latin typeface="Source Code Pro" panose="020B0509030403020204" pitchFamily="49" charset="0"/>
+              </a:rPr>
+              <a:t>"</a:t>
+            </a:r>
+            <a:r>
+              <a:rPr kumimoji="0" lang="de-DE" altLang="de-DE" sz="1000" b="0" u="none" strike="noStrike" cap="none" normalizeH="0" baseline="0" dirty="0">
+                <a:ln>
+                  <a:noFill/>
+                </a:ln>
+                <a:solidFill>
+                  <a:srgbClr val="CC7832"/>
+                </a:solidFill>
+                <a:effectLst/>
+                <a:latin typeface="Source Code Pro" panose="020B0509030403020204" pitchFamily="49" charset="0"/>
+              </a:rPr>
+              <a:t>\n</a:t>
+            </a:r>
+            <a:r>
+              <a:rPr kumimoji="0" lang="de-DE" altLang="de-DE" sz="1000" b="0" u="none" strike="noStrike" cap="none" normalizeH="0" baseline="0" dirty="0">
+                <a:ln>
+                  <a:noFill/>
+                </a:ln>
+                <a:solidFill>
+                  <a:srgbClr val="6A8759"/>
+                </a:solidFill>
+                <a:effectLst/>
+                <a:latin typeface="Source Code Pro" panose="020B0509030403020204" pitchFamily="49" charset="0"/>
+              </a:rPr>
+              <a:t>"</a:t>
+            </a:r>
+            <a:r>
+              <a:rPr kumimoji="0" lang="de-DE" altLang="de-DE" sz="1000" b="0" u="none" strike="noStrike" cap="none" normalizeH="0" baseline="0" dirty="0">
+                <a:ln>
+                  <a:noFill/>
+                </a:ln>
+                <a:solidFill>
+                  <a:srgbClr val="CC7832"/>
+                </a:solidFill>
+                <a:effectLst/>
+                <a:latin typeface="Source Code Pro" panose="020B0509030403020204" pitchFamily="49" charset="0"/>
+              </a:rPr>
+              <a:t>;</a:t>
+            </a:r>
+            <a:br>
+              <a:rPr kumimoji="0" lang="de-DE" altLang="de-DE" sz="1000" b="0" u="none" strike="noStrike" cap="none" normalizeH="0" baseline="0" dirty="0">
+                <a:ln>
+                  <a:noFill/>
+                </a:ln>
+                <a:solidFill>
+                  <a:srgbClr val="CC7832"/>
+                </a:solidFill>
+                <a:effectLst/>
+                <a:latin typeface="Source Code Pro" panose="020B0509030403020204" pitchFamily="49" charset="0"/>
+              </a:rPr>
+            </a:br>
+            <a:r>
+              <a:rPr kumimoji="0" lang="de-DE" altLang="de-DE" sz="1000" b="0" u="none" strike="noStrike" cap="none" normalizeH="0" baseline="0" dirty="0">
+                <a:ln>
+                  <a:noFill/>
+                </a:ln>
+                <a:solidFill>
+                  <a:srgbClr val="9876AA"/>
+                </a:solidFill>
+                <a:effectLst/>
+                <a:latin typeface="Source Code Pro" panose="020B0509030403020204" pitchFamily="49" charset="0"/>
+              </a:rPr>
+              <a:t>}</a:t>
+            </a:r>
+            <a:endParaRPr kumimoji="0" lang="de-DE" altLang="de-DE" sz="1800" b="0" u="none" strike="noStrike" cap="none" normalizeH="0" baseline="0" dirty="0">
+              <a:ln>
+                <a:noFill/>
+              </a:ln>
+              <a:solidFill>
+                <a:schemeClr val="tx1"/>
+              </a:solidFill>
+              <a:effectLst/>
+              <a:latin typeface="Arial" panose="020B0604020202020204" pitchFamily="34" charset="0"/>
+            </a:endParaRPr>
+          </a:p>
+        </p:txBody>
+      </p:sp>
+    </p:spTree>
+    <p:extLst>
+      <p:ext uri="{BB962C8B-B14F-4D97-AF65-F5344CB8AC3E}">
+        <p14:creationId xmlns:p14="http://schemas.microsoft.com/office/powerpoint/2010/main" val="2832817854"/>
+      </p:ext>
+    </p:extLst>
+  </p:cSld>
+  <p:clrMapOvr>
+    <a:masterClrMapping/>
+  </p:clrMapOvr>
+</p:sld>
+</file>
+
+<file path=ppt/slides/slide13.xml><?xml version="1.0" encoding="utf-8"?>
+<p:sld xmlns:a="http://schemas.openxmlformats.org/drawingml/2006/main" xmlns:r="http://schemas.openxmlformats.org/officeDocument/2006/relationships" xmlns:p="http://schemas.openxmlformats.org/presentationml/2006/main">
+  <p:cSld>
+    <p:spTree>
+      <p:nvGrpSpPr>
+        <p:cNvPr id="1" name=""/>
+        <p:cNvGrpSpPr/>
+        <p:nvPr/>
+      </p:nvGrpSpPr>
+      <p:grpSpPr>
+        <a:xfrm>
+          <a:off x="0" y="0"/>
+          <a:ext cx="0" cy="0"/>
+          <a:chOff x="0" y="0"/>
+          <a:chExt cx="0" cy="0"/>
+        </a:xfrm>
+      </p:grpSpPr>
+      <p:sp>
+        <p:nvSpPr>
+          <p:cNvPr id="2" name="Titel 1">
+            <a:extLst>
+              <a:ext uri="{FF2B5EF4-FFF2-40B4-BE49-F238E27FC236}">
                 <a16:creationId xmlns:a16="http://schemas.microsoft.com/office/drawing/2014/main" id="{EFA66995-2C27-49F3-B163-B9019C0E0842}"/>
               </a:ext>
             </a:extLst>
@@ -8507,7 +10042,7 @@
 </p:sld>
 </file>
 
-<file path=ppt/slides/slide13.xml><?xml version="1.0" encoding="utf-8"?>
+<file path=ppt/slides/slide14.xml><?xml version="1.0" encoding="utf-8"?>
 <p:sld xmlns:a="http://schemas.openxmlformats.org/drawingml/2006/main" xmlns:r="http://schemas.openxmlformats.org/officeDocument/2006/relationships" xmlns:p="http://schemas.openxmlformats.org/presentationml/2006/main">
   <p:cSld>
     <p:spTree>
@@ -9099,7 +10634,7 @@
 </p:sld>
 </file>
 
-<file path=ppt/slides/slide14.xml><?xml version="1.0" encoding="utf-8"?>
+<file path=ppt/slides/slide15.xml><?xml version="1.0" encoding="utf-8"?>
 <p:sld xmlns:a="http://schemas.openxmlformats.org/drawingml/2006/main" xmlns:r="http://schemas.openxmlformats.org/officeDocument/2006/relationships" xmlns:p="http://schemas.openxmlformats.org/presentationml/2006/main">
   <p:cSld>
     <p:spTree>
